--- a/job-analysis-presentation.pptx
+++ b/job-analysis-presentation.pptx
@@ -15,8 +15,11 @@
     <p:sldId id="270" r:id="rId9"/>
     <p:sldId id="271" r:id="rId10"/>
     <p:sldId id="264" r:id="rId11"/>
-    <p:sldId id="272" r:id="rId12"/>
-    <p:sldId id="267" r:id="rId13"/>
+    <p:sldId id="274" r:id="rId12"/>
+    <p:sldId id="272" r:id="rId13"/>
+    <p:sldId id="267" r:id="rId14"/>
+    <p:sldId id="275" r:id="rId15"/>
+    <p:sldId id="276" r:id="rId16"/>
   </p:sldIdLst>
   <p:sldSz cx="12192000" cy="6858000"/>
   <p:notesSz cx="6858000" cy="9144000"/>
@@ -117,7 +120,7 @@
   </p:defaultTextStyle>
   <p:extLst>
     <p:ext uri="{EFAFB233-063F-42B5-8137-9DF3F51BA10A}">
-      <p15:sldGuideLst xmlns:p15="http://schemas.microsoft.com/office/powerpoint/2012/main" xmlns=""/>
+      <p15:sldGuideLst xmlns="" xmlns:p15="http://schemas.microsoft.com/office/powerpoint/2012/main"/>
     </p:ext>
   </p:extLst>
 </p:presentation>
@@ -263,7 +266,7 @@
             <a:fld id="{FE0A06A7-CAD1-4144-BCBD-C2EEFD60B281}" type="datetimeFigureOut">
               <a:rPr lang="fr-FR" smtClean="0"/>
               <a:pPr/>
-              <a:t>14/08/2020</a:t>
+              <a:t>01/09/2020</a:t>
             </a:fld>
             <a:endParaRPr lang="fr-FR"/>
           </a:p>
@@ -356,7 +359,7 @@
     </p:spTree>
     <p:extLst>
       <p:ext uri="{BB962C8B-B14F-4D97-AF65-F5344CB8AC3E}">
-        <p14:creationId xmlns:p14="http://schemas.microsoft.com/office/powerpoint/2010/main" xmlns="" val="275459925"/>
+        <p14:creationId xmlns="" xmlns:p14="http://schemas.microsoft.com/office/powerpoint/2010/main" val="275459925"/>
       </p:ext>
     </p:extLst>
   </p:cSld>
@@ -476,7 +479,7 @@
             <a:fld id="{FE0A06A7-CAD1-4144-BCBD-C2EEFD60B281}" type="datetimeFigureOut">
               <a:rPr lang="fr-FR" smtClean="0"/>
               <a:pPr/>
-              <a:t>14/08/2020</a:t>
+              <a:t>01/09/2020</a:t>
             </a:fld>
             <a:endParaRPr lang="fr-FR"/>
           </a:p>
@@ -559,7 +562,7 @@
     </p:spTree>
     <p:extLst>
       <p:ext uri="{BB962C8B-B14F-4D97-AF65-F5344CB8AC3E}">
-        <p14:creationId xmlns:p14="http://schemas.microsoft.com/office/powerpoint/2010/main" xmlns="" val="801345865"/>
+        <p14:creationId xmlns="" xmlns:p14="http://schemas.microsoft.com/office/powerpoint/2010/main" val="801345865"/>
       </p:ext>
     </p:extLst>
   </p:cSld>
@@ -693,7 +696,7 @@
             <a:fld id="{FE0A06A7-CAD1-4144-BCBD-C2EEFD60B281}" type="datetimeFigureOut">
               <a:rPr lang="fr-FR" smtClean="0"/>
               <a:pPr/>
-              <a:t>14/08/2020</a:t>
+              <a:t>01/09/2020</a:t>
             </a:fld>
             <a:endParaRPr lang="fr-FR"/>
           </a:p>
@@ -776,7 +779,7 @@
     </p:spTree>
     <p:extLst>
       <p:ext uri="{BB962C8B-B14F-4D97-AF65-F5344CB8AC3E}">
-        <p14:creationId xmlns:p14="http://schemas.microsoft.com/office/powerpoint/2010/main" xmlns="" val="3695650210"/>
+        <p14:creationId xmlns="" xmlns:p14="http://schemas.microsoft.com/office/powerpoint/2010/main" val="3695650210"/>
       </p:ext>
     </p:extLst>
   </p:cSld>
@@ -896,7 +899,7 @@
             <a:fld id="{FE0A06A7-CAD1-4144-BCBD-C2EEFD60B281}" type="datetimeFigureOut">
               <a:rPr lang="fr-FR" smtClean="0"/>
               <a:pPr/>
-              <a:t>14/08/2020</a:t>
+              <a:t>01/09/2020</a:t>
             </a:fld>
             <a:endParaRPr lang="fr-FR"/>
           </a:p>
@@ -979,7 +982,7 @@
     </p:spTree>
     <p:extLst>
       <p:ext uri="{BB962C8B-B14F-4D97-AF65-F5344CB8AC3E}">
-        <p14:creationId xmlns:p14="http://schemas.microsoft.com/office/powerpoint/2010/main" xmlns="" val="3151195751"/>
+        <p14:creationId xmlns="" xmlns:p14="http://schemas.microsoft.com/office/powerpoint/2010/main" val="3151195751"/>
       </p:ext>
     </p:extLst>
   </p:cSld>
@@ -1177,7 +1180,7 @@
             <a:fld id="{FE0A06A7-CAD1-4144-BCBD-C2EEFD60B281}" type="datetimeFigureOut">
               <a:rPr lang="fr-FR" smtClean="0"/>
               <a:pPr/>
-              <a:t>14/08/2020</a:t>
+              <a:t>01/09/2020</a:t>
             </a:fld>
             <a:endParaRPr lang="fr-FR"/>
           </a:p>
@@ -1260,7 +1263,7 @@
     </p:spTree>
     <p:extLst>
       <p:ext uri="{BB962C8B-B14F-4D97-AF65-F5344CB8AC3E}">
-        <p14:creationId xmlns:p14="http://schemas.microsoft.com/office/powerpoint/2010/main" xmlns="" val="185810129"/>
+        <p14:creationId xmlns="" xmlns:p14="http://schemas.microsoft.com/office/powerpoint/2010/main" val="185810129"/>
       </p:ext>
     </p:extLst>
   </p:cSld>
@@ -1447,7 +1450,7 @@
             <a:fld id="{FE0A06A7-CAD1-4144-BCBD-C2EEFD60B281}" type="datetimeFigureOut">
               <a:rPr lang="fr-FR" smtClean="0"/>
               <a:pPr/>
-              <a:t>14/08/2020</a:t>
+              <a:t>01/09/2020</a:t>
             </a:fld>
             <a:endParaRPr lang="fr-FR"/>
           </a:p>
@@ -1530,7 +1533,7 @@
     </p:spTree>
     <p:extLst>
       <p:ext uri="{BB962C8B-B14F-4D97-AF65-F5344CB8AC3E}">
-        <p14:creationId xmlns:p14="http://schemas.microsoft.com/office/powerpoint/2010/main" xmlns="" val="671982306"/>
+        <p14:creationId xmlns="" xmlns:p14="http://schemas.microsoft.com/office/powerpoint/2010/main" val="671982306"/>
       </p:ext>
     </p:extLst>
   </p:cSld>
@@ -1865,7 +1868,7 @@
             <a:fld id="{FE0A06A7-CAD1-4144-BCBD-C2EEFD60B281}" type="datetimeFigureOut">
               <a:rPr lang="fr-FR" smtClean="0"/>
               <a:pPr/>
-              <a:t>14/08/2020</a:t>
+              <a:t>01/09/2020</a:t>
             </a:fld>
             <a:endParaRPr lang="fr-FR"/>
           </a:p>
@@ -1948,7 +1951,7 @@
     </p:spTree>
     <p:extLst>
       <p:ext uri="{BB962C8B-B14F-4D97-AF65-F5344CB8AC3E}">
-        <p14:creationId xmlns:p14="http://schemas.microsoft.com/office/powerpoint/2010/main" xmlns="" val="2805490512"/>
+        <p14:creationId xmlns="" xmlns:p14="http://schemas.microsoft.com/office/powerpoint/2010/main" val="2805490512"/>
       </p:ext>
     </p:extLst>
   </p:cSld>
@@ -2016,7 +2019,7 @@
             <a:fld id="{FE0A06A7-CAD1-4144-BCBD-C2EEFD60B281}" type="datetimeFigureOut">
               <a:rPr lang="fr-FR" smtClean="0"/>
               <a:pPr/>
-              <a:t>14/08/2020</a:t>
+              <a:t>01/09/2020</a:t>
             </a:fld>
             <a:endParaRPr lang="fr-FR"/>
           </a:p>
@@ -2099,7 +2102,7 @@
     </p:spTree>
     <p:extLst>
       <p:ext uri="{BB962C8B-B14F-4D97-AF65-F5344CB8AC3E}">
-        <p14:creationId xmlns:p14="http://schemas.microsoft.com/office/powerpoint/2010/main" xmlns="" val="719197511"/>
+        <p14:creationId xmlns="" xmlns:p14="http://schemas.microsoft.com/office/powerpoint/2010/main" val="719197511"/>
       </p:ext>
     </p:extLst>
   </p:cSld>
@@ -2144,7 +2147,7 @@
             <a:fld id="{FE0A06A7-CAD1-4144-BCBD-C2EEFD60B281}" type="datetimeFigureOut">
               <a:rPr lang="fr-FR" smtClean="0"/>
               <a:pPr/>
-              <a:t>14/08/2020</a:t>
+              <a:t>01/09/2020</a:t>
             </a:fld>
             <a:endParaRPr lang="fr-FR"/>
           </a:p>
@@ -2196,7 +2199,7 @@
     </p:spTree>
     <p:extLst>
       <p:ext uri="{BB962C8B-B14F-4D97-AF65-F5344CB8AC3E}">
-        <p14:creationId xmlns:p14="http://schemas.microsoft.com/office/powerpoint/2010/main" xmlns="" val="522683556"/>
+        <p14:creationId xmlns="" xmlns:p14="http://schemas.microsoft.com/office/powerpoint/2010/main" val="522683556"/>
       </p:ext>
     </p:extLst>
   </p:cSld>
@@ -2397,7 +2400,7 @@
             <a:fld id="{FE0A06A7-CAD1-4144-BCBD-C2EEFD60B281}" type="datetimeFigureOut">
               <a:rPr lang="fr-FR" smtClean="0"/>
               <a:pPr/>
-              <a:t>14/08/2020</a:t>
+              <a:t>01/09/2020</a:t>
             </a:fld>
             <a:endParaRPr lang="fr-FR"/>
           </a:p>
@@ -2480,7 +2483,7 @@
     </p:spTree>
     <p:extLst>
       <p:ext uri="{BB962C8B-B14F-4D97-AF65-F5344CB8AC3E}">
-        <p14:creationId xmlns:p14="http://schemas.microsoft.com/office/powerpoint/2010/main" xmlns="" val="613777858"/>
+        <p14:creationId xmlns="" xmlns:p14="http://schemas.microsoft.com/office/powerpoint/2010/main" val="613777858"/>
       </p:ext>
     </p:extLst>
   </p:cSld>
@@ -2844,7 +2847,7 @@
             <a:fld id="{FE0A06A7-CAD1-4144-BCBD-C2EEFD60B281}" type="datetimeFigureOut">
               <a:rPr lang="fr-FR" smtClean="0"/>
               <a:pPr/>
-              <a:t>14/08/2020</a:t>
+              <a:t>01/09/2020</a:t>
             </a:fld>
             <a:endParaRPr lang="fr-FR"/>
           </a:p>
@@ -2932,7 +2935,7 @@
     </p:spTree>
     <p:extLst>
       <p:ext uri="{BB962C8B-B14F-4D97-AF65-F5344CB8AC3E}">
-        <p14:creationId xmlns:p14="http://schemas.microsoft.com/office/powerpoint/2010/main" xmlns="" val="1179583343"/>
+        <p14:creationId xmlns="" xmlns:p14="http://schemas.microsoft.com/office/powerpoint/2010/main" val="1179583343"/>
       </p:ext>
     </p:extLst>
   </p:cSld>
@@ -3025,7 +3028,7 @@
           <a:blip r:embed="rId13">
             <a:extLst>
               <a:ext uri="{28A0092B-C50C-407E-A947-70E740481C1C}">
-                <a14:useLocalDpi xmlns:a14="http://schemas.microsoft.com/office/drawing/2010/main" xmlns="" val="0"/>
+                <a14:useLocalDpi xmlns="" xmlns:a14="http://schemas.microsoft.com/office/drawing/2010/main" val="0"/>
               </a:ext>
             </a:extLst>
           </a:blip>
@@ -3172,7 +3175,7 @@
             <a:fld id="{FE0A06A7-CAD1-4144-BCBD-C2EEFD60B281}" type="datetimeFigureOut">
               <a:rPr lang="fr-FR" smtClean="0"/>
               <a:pPr/>
-              <a:t>14/08/2020</a:t>
+              <a:t>01/09/2020</a:t>
             </a:fld>
             <a:endParaRPr lang="fr-FR"/>
           </a:p>
@@ -3295,7 +3298,7 @@
     </p:spTree>
     <p:extLst>
       <p:ext uri="{BB962C8B-B14F-4D97-AF65-F5344CB8AC3E}">
-        <p14:creationId xmlns:p14="http://schemas.microsoft.com/office/powerpoint/2010/main" xmlns="" val="3857441872"/>
+        <p14:creationId xmlns="" xmlns:p14="http://schemas.microsoft.com/office/powerpoint/2010/main" val="3857441872"/>
       </p:ext>
     </p:extLst>
   </p:cSld>
@@ -3664,7 +3667,7 @@
           <p:cNvPr id="2" name="Title 1">
             <a:extLst>
               <a:ext uri="{FF2B5EF4-FFF2-40B4-BE49-F238E27FC236}">
-                <a16:creationId xmlns:a16="http://schemas.microsoft.com/office/drawing/2014/main" xmlns="" id="{92CC2799-BC4E-47EA-A3D9-471525DB95B1}"/>
+                <a16:creationId xmlns="" xmlns:a16="http://schemas.microsoft.com/office/drawing/2014/main" id="{92CC2799-BC4E-47EA-A3D9-471525DB95B1}"/>
               </a:ext>
             </a:extLst>
           </p:cNvPr>
@@ -3700,15 +3703,7 @@
             </a:br>
             <a:r>
               <a:rPr lang="en-US" sz="2200" b="1" dirty="0" smtClean="0"/>
-              <a:t>A study </a:t>
-            </a:r>
-            <a:r>
-              <a:rPr lang="en-US" sz="2200" b="1" dirty="0" smtClean="0"/>
-              <a:t>on 9,000+ </a:t>
-            </a:r>
-            <a:r>
-              <a:rPr lang="en-US" sz="2200" b="1" dirty="0" smtClean="0"/>
-              <a:t>jobs published on </a:t>
+              <a:t>A study on 9,000+ jobs published on </a:t>
             </a:r>
             <a:r>
               <a:rPr lang="en-US" sz="2200" b="1" dirty="0" err="1" smtClean="0"/>
@@ -3716,7 +3711,15 @@
             </a:r>
             <a:r>
               <a:rPr lang="en-US" sz="2200" b="1" dirty="0" smtClean="0"/>
-              <a:t> from 2008 to </a:t>
+              <a:t> from 2008 </a:t>
+            </a:r>
+            <a:r>
+              <a:rPr lang="en-US" sz="2200" b="1" dirty="0" smtClean="0"/>
+              <a:t>-</a:t>
+            </a:r>
+            <a:r>
+              <a:rPr lang="en-US" sz="2200" b="1" dirty="0" smtClean="0"/>
+              <a:t> </a:t>
             </a:r>
             <a:r>
               <a:rPr lang="en-US" sz="2200" b="1" dirty="0" smtClean="0"/>
@@ -3738,7 +3741,7 @@
           <p:cNvPr id="3" name="Subtitle 2">
             <a:extLst>
               <a:ext uri="{FF2B5EF4-FFF2-40B4-BE49-F238E27FC236}">
-                <a16:creationId xmlns:a16="http://schemas.microsoft.com/office/drawing/2014/main" xmlns="" id="{C0453C0A-170D-45B9-92AC-CED266104E38}"/>
+                <a16:creationId xmlns="" xmlns:a16="http://schemas.microsoft.com/office/drawing/2014/main" id="{C0453C0A-170D-45B9-92AC-CED266104E38}"/>
               </a:ext>
             </a:extLst>
           </p:cNvPr>
@@ -3796,7 +3799,7 @@
     </p:spTree>
     <p:extLst>
       <p:ext uri="{BB962C8B-B14F-4D97-AF65-F5344CB8AC3E}">
-        <p14:creationId xmlns:p14="http://schemas.microsoft.com/office/powerpoint/2010/main" xmlns="" val="4173025751"/>
+        <p14:creationId xmlns="" xmlns:p14="http://schemas.microsoft.com/office/powerpoint/2010/main" val="4173025751"/>
       </p:ext>
     </p:extLst>
   </p:cSld>
@@ -3828,7 +3831,7 @@
           <p:cNvPr id="2" name="Title 1">
             <a:extLst>
               <a:ext uri="{FF2B5EF4-FFF2-40B4-BE49-F238E27FC236}">
-                <a16:creationId xmlns:a16="http://schemas.microsoft.com/office/drawing/2014/main" xmlns="" id="{F56214E7-1055-4A6F-9E7F-A81B5827C1FC}"/>
+                <a16:creationId xmlns="" xmlns:a16="http://schemas.microsoft.com/office/drawing/2014/main" id="{F56214E7-1055-4A6F-9E7F-A81B5827C1FC}"/>
               </a:ext>
             </a:extLst>
           </p:cNvPr>
@@ -3845,20 +3848,20 @@
           <a:lstStyle/>
           <a:p>
             <a:r>
+              <a:rPr lang="fr-FR" dirty="0" err="1"/>
+              <a:t>Clustering</a:t>
+            </a:r>
+            <a:r>
               <a:rPr lang="fr-FR" dirty="0"/>
-              <a:t>Clustering </a:t>
-            </a:r>
-            <a:r>
-              <a:rPr lang="fr-FR" dirty="0" err="1"/>
-              <a:t>Neighborhoods</a:t>
-            </a:r>
-            <a:r>
-              <a:rPr lang="fr-FR" dirty="0"/>
-              <a:t> of </a:t>
-            </a:r>
-            <a:r>
-              <a:rPr lang="fr-FR" dirty="0" err="1"/>
-              <a:t>Montreal</a:t>
+              <a:t> </a:t>
+            </a:r>
+            <a:r>
+              <a:rPr lang="fr-FR" dirty="0" smtClean="0"/>
+              <a:t>institutions by total job </a:t>
+            </a:r>
+            <a:r>
+              <a:rPr lang="fr-FR" dirty="0" err="1" smtClean="0"/>
+              <a:t>offers</a:t>
             </a:r>
             <a:endParaRPr lang="fr-FR" dirty="0"/>
           </a:p>
@@ -3869,7 +3872,7 @@
           <p:cNvPr id="4" name="Content Placeholder 3">
             <a:extLst>
               <a:ext uri="{FF2B5EF4-FFF2-40B4-BE49-F238E27FC236}">
-                <a16:creationId xmlns:a16="http://schemas.microsoft.com/office/drawing/2014/main" xmlns="" id="{1898DAD5-1946-486C-9E52-5467A8BCF678}"/>
+                <a16:creationId xmlns="" xmlns:a16="http://schemas.microsoft.com/office/drawing/2014/main" id="{1898DAD5-1946-486C-9E52-5467A8BCF678}"/>
               </a:ext>
             </a:extLst>
           </p:cNvPr>
@@ -3916,7 +3919,11 @@
             </a:r>
             <a:r>
               <a:rPr lang="en-US" dirty="0"/>
-              <a:t>is the best value</a:t>
+              <a:t>is the best </a:t>
+            </a:r>
+            <a:r>
+              <a:rPr lang="en-US" dirty="0" smtClean="0"/>
+              <a:t>value.</a:t>
             </a:r>
             <a:endParaRPr lang="fr-FR" dirty="0"/>
           </a:p>
@@ -3968,7 +3975,7 @@
     </p:spTree>
     <p:extLst>
       <p:ext uri="{BB962C8B-B14F-4D97-AF65-F5344CB8AC3E}">
-        <p14:creationId xmlns:p14="http://schemas.microsoft.com/office/powerpoint/2010/main" xmlns="" val="2758305521"/>
+        <p14:creationId xmlns="" xmlns:p14="http://schemas.microsoft.com/office/powerpoint/2010/main" val="2758305521"/>
       </p:ext>
     </p:extLst>
   </p:cSld>
@@ -3979,6 +3986,1129 @@
 </file>
 
 <file path=ppt/slides/slide11.xml><?xml version="1.0" encoding="utf-8"?>
+<p:sld xmlns:a="http://schemas.openxmlformats.org/drawingml/2006/main" xmlns:r="http://schemas.openxmlformats.org/officeDocument/2006/relationships" xmlns:p="http://schemas.openxmlformats.org/presentationml/2006/main">
+  <p:cSld>
+    <p:spTree>
+      <p:nvGrpSpPr>
+        <p:cNvPr id="1" name=""/>
+        <p:cNvGrpSpPr/>
+        <p:nvPr/>
+      </p:nvGrpSpPr>
+      <p:grpSpPr>
+        <a:xfrm>
+          <a:off x="0" y="0"/>
+          <a:ext cx="0" cy="0"/>
+          <a:chOff x="0" y="0"/>
+          <a:chExt cx="0" cy="0"/>
+        </a:xfrm>
+      </p:grpSpPr>
+      <p:sp>
+        <p:nvSpPr>
+          <p:cNvPr id="2" name="Title 1"/>
+          <p:cNvSpPr>
+            <a:spLocks noGrp="1"/>
+          </p:cNvSpPr>
+          <p:nvPr>
+            <p:ph type="title"/>
+          </p:nvPr>
+        </p:nvSpPr>
+        <p:spPr/>
+        <p:txBody>
+          <a:bodyPr/>
+          <a:lstStyle/>
+          <a:p>
+            <a:r>
+              <a:rPr lang="en-US" dirty="0" smtClean="0"/>
+              <a:t>Job offers by cluster</a:t>
+            </a:r>
+            <a:endParaRPr lang="en-US" dirty="0"/>
+          </a:p>
+        </p:txBody>
+      </p:sp>
+      <p:graphicFrame>
+        <p:nvGraphicFramePr>
+          <p:cNvPr id="7" name="Content Placeholder 6"/>
+          <p:cNvGraphicFramePr>
+            <a:graphicFrameLocks noGrp="1"/>
+          </p:cNvGraphicFramePr>
+          <p:nvPr>
+            <p:ph sz="half" idx="2"/>
+          </p:nvPr>
+        </p:nvGraphicFramePr>
+        <p:xfrm>
+          <a:off x="1447800" y="2039197"/>
+          <a:ext cx="4645026" cy="1112520"/>
+        </p:xfrm>
+        <a:graphic>
+          <a:graphicData uri="http://schemas.openxmlformats.org/drawingml/2006/table">
+            <a:tbl>
+              <a:tblPr firstRow="1" bandRow="1">
+                <a:tableStyleId>{5C22544A-7EE6-4342-B048-85BDC9FD1C3A}</a:tableStyleId>
+              </a:tblPr>
+              <a:tblGrid>
+                <a:gridCol w="1548342"/>
+                <a:gridCol w="1548342"/>
+                <a:gridCol w="1548342"/>
+              </a:tblGrid>
+              <a:tr h="370840">
+                <a:tc gridSpan="3">
+                  <a:txBody>
+                    <a:bodyPr/>
+                    <a:lstStyle/>
+                    <a:p>
+                      <a:pPr marL="0" marR="0" indent="0" algn="ctr" defTabSz="914400" rtl="0" eaLnBrk="1" fontAlgn="auto" latinLnBrk="0" hangingPunct="1">
+                        <a:lnSpc>
+                          <a:spcPct val="100000"/>
+                        </a:lnSpc>
+                        <a:spcBef>
+                          <a:spcPts val="0"/>
+                        </a:spcBef>
+                        <a:spcAft>
+                          <a:spcPts val="0"/>
+                        </a:spcAft>
+                        <a:buClrTx/>
+                        <a:buSzTx/>
+                        <a:buFontTx/>
+                        <a:buNone/>
+                        <a:tabLst/>
+                        <a:defRPr/>
+                      </a:pPr>
+                      <a:r>
+                        <a:rPr lang="en-US" dirty="0" smtClean="0"/>
+                        <a:t>Cluster 0</a:t>
+                      </a:r>
+                      <a:endParaRPr lang="en-US" dirty="0"/>
+                    </a:p>
+                  </a:txBody>
+                  <a:tcPr>
+                    <a:solidFill>
+                      <a:schemeClr val="accent3"/>
+                    </a:solidFill>
+                  </a:tcPr>
+                </a:tc>
+                <a:tc hMerge="1">
+                  <a:txBody>
+                    <a:bodyPr/>
+                    <a:lstStyle/>
+                    <a:p>
+                      <a:endParaRPr lang="en-US" dirty="0"/>
+                    </a:p>
+                  </a:txBody>
+                  <a:tcPr/>
+                </a:tc>
+                <a:tc hMerge="1">
+                  <a:txBody>
+                    <a:bodyPr/>
+                    <a:lstStyle/>
+                    <a:p>
+                      <a:endParaRPr lang="en-US" dirty="0"/>
+                    </a:p>
+                  </a:txBody>
+                  <a:tcPr/>
+                </a:tc>
+              </a:tr>
+              <a:tr h="370840">
+                <a:tc>
+                  <a:txBody>
+                    <a:bodyPr/>
+                    <a:lstStyle/>
+                    <a:p>
+                      <a:r>
+                        <a:rPr lang="en-US" dirty="0" smtClean="0"/>
+                        <a:t>Sum</a:t>
+                      </a:r>
+                      <a:endParaRPr lang="en-US" dirty="0"/>
+                    </a:p>
+                  </a:txBody>
+                  <a:tcPr/>
+                </a:tc>
+                <a:tc>
+                  <a:txBody>
+                    <a:bodyPr/>
+                    <a:lstStyle/>
+                    <a:p>
+                      <a:r>
+                        <a:rPr lang="en-US" dirty="0" smtClean="0"/>
+                        <a:t>Mean</a:t>
+                      </a:r>
+                      <a:endParaRPr lang="en-US" dirty="0"/>
+                    </a:p>
+                  </a:txBody>
+                  <a:tcPr/>
+                </a:tc>
+                <a:tc>
+                  <a:txBody>
+                    <a:bodyPr/>
+                    <a:lstStyle/>
+                    <a:p>
+                      <a:r>
+                        <a:rPr lang="en-US" dirty="0" smtClean="0"/>
+                        <a:t>STD</a:t>
+                      </a:r>
+                      <a:endParaRPr lang="en-US" dirty="0"/>
+                    </a:p>
+                  </a:txBody>
+                  <a:tcPr/>
+                </a:tc>
+              </a:tr>
+              <a:tr h="370840">
+                <a:tc>
+                  <a:txBody>
+                    <a:bodyPr/>
+                    <a:lstStyle/>
+                    <a:p>
+                      <a:r>
+                        <a:rPr lang="en-US" dirty="0" smtClean="0"/>
+                        <a:t>1260</a:t>
+                      </a:r>
+                      <a:endParaRPr lang="en-US" dirty="0"/>
+                    </a:p>
+                  </a:txBody>
+                  <a:tcPr/>
+                </a:tc>
+                <a:tc>
+                  <a:txBody>
+                    <a:bodyPr/>
+                    <a:lstStyle/>
+                    <a:p>
+                      <a:r>
+                        <a:rPr lang="en-US" dirty="0" smtClean="0"/>
+                        <a:t>15.1807</a:t>
+                      </a:r>
+                      <a:endParaRPr lang="en-US" dirty="0"/>
+                    </a:p>
+                  </a:txBody>
+                  <a:tcPr/>
+                </a:tc>
+                <a:tc>
+                  <a:txBody>
+                    <a:bodyPr/>
+                    <a:lstStyle/>
+                    <a:p>
+                      <a:r>
+                        <a:rPr lang="en-US" dirty="0" smtClean="0"/>
+                        <a:t>5.3354</a:t>
+                      </a:r>
+                      <a:endParaRPr lang="en-US" dirty="0"/>
+                    </a:p>
+                  </a:txBody>
+                  <a:tcPr/>
+                </a:tc>
+              </a:tr>
+            </a:tbl>
+          </a:graphicData>
+        </a:graphic>
+      </p:graphicFrame>
+      <p:sp>
+        <p:nvSpPr>
+          <p:cNvPr id="5" name="Text Placeholder 4"/>
+          <p:cNvSpPr>
+            <a:spLocks noGrp="1"/>
+          </p:cNvSpPr>
+          <p:nvPr>
+            <p:ph type="body" sz="quarter" idx="3"/>
+          </p:nvPr>
+        </p:nvSpPr>
+        <p:spPr/>
+        <p:txBody>
+          <a:bodyPr/>
+          <a:lstStyle/>
+          <a:p>
+            <a:endParaRPr lang="en-US"/>
+          </a:p>
+        </p:txBody>
+      </p:sp>
+      <p:graphicFrame>
+        <p:nvGraphicFramePr>
+          <p:cNvPr id="12" name="Content Placeholder 6"/>
+          <p:cNvGraphicFramePr>
+            <a:graphicFrameLocks/>
+          </p:cNvGraphicFramePr>
+          <p:nvPr/>
+        </p:nvGraphicFramePr>
+        <p:xfrm>
+          <a:off x="1436306" y="3287099"/>
+          <a:ext cx="4645026" cy="1112520"/>
+        </p:xfrm>
+        <a:graphic>
+          <a:graphicData uri="http://schemas.openxmlformats.org/drawingml/2006/table">
+            <a:tbl>
+              <a:tblPr firstRow="1" bandRow="1">
+                <a:tableStyleId>{5C22544A-7EE6-4342-B048-85BDC9FD1C3A}</a:tableStyleId>
+              </a:tblPr>
+              <a:tblGrid>
+                <a:gridCol w="1548342"/>
+                <a:gridCol w="1548342"/>
+                <a:gridCol w="1548342"/>
+              </a:tblGrid>
+              <a:tr h="370840">
+                <a:tc gridSpan="3">
+                  <a:txBody>
+                    <a:bodyPr/>
+                    <a:lstStyle/>
+                    <a:p>
+                      <a:pPr marL="0" marR="0" indent="0" algn="ctr" defTabSz="914400" rtl="0" eaLnBrk="1" fontAlgn="auto" latinLnBrk="0" hangingPunct="1">
+                        <a:lnSpc>
+                          <a:spcPct val="100000"/>
+                        </a:lnSpc>
+                        <a:spcBef>
+                          <a:spcPts val="0"/>
+                        </a:spcBef>
+                        <a:spcAft>
+                          <a:spcPts val="0"/>
+                        </a:spcAft>
+                        <a:buClrTx/>
+                        <a:buSzTx/>
+                        <a:buFontTx/>
+                        <a:buNone/>
+                        <a:tabLst/>
+                        <a:defRPr/>
+                      </a:pPr>
+                      <a:r>
+                        <a:rPr lang="en-US" dirty="0" smtClean="0"/>
+                        <a:t>Cluster </a:t>
+                      </a:r>
+                      <a:r>
+                        <a:rPr lang="en-US" dirty="0" smtClean="0"/>
+                        <a:t>1</a:t>
+                      </a:r>
+                      <a:endParaRPr lang="en-US" dirty="0"/>
+                    </a:p>
+                  </a:txBody>
+                  <a:tcPr/>
+                </a:tc>
+                <a:tc hMerge="1">
+                  <a:txBody>
+                    <a:bodyPr/>
+                    <a:lstStyle/>
+                    <a:p>
+                      <a:endParaRPr lang="en-US" dirty="0"/>
+                    </a:p>
+                  </a:txBody>
+                  <a:tcPr/>
+                </a:tc>
+                <a:tc hMerge="1">
+                  <a:txBody>
+                    <a:bodyPr/>
+                    <a:lstStyle/>
+                    <a:p>
+                      <a:endParaRPr lang="en-US" dirty="0"/>
+                    </a:p>
+                  </a:txBody>
+                  <a:tcPr/>
+                </a:tc>
+              </a:tr>
+              <a:tr h="370840">
+                <a:tc>
+                  <a:txBody>
+                    <a:bodyPr/>
+                    <a:lstStyle/>
+                    <a:p>
+                      <a:r>
+                        <a:rPr lang="en-US" dirty="0" smtClean="0"/>
+                        <a:t>Sum</a:t>
+                      </a:r>
+                      <a:endParaRPr lang="en-US" dirty="0"/>
+                    </a:p>
+                  </a:txBody>
+                  <a:tcPr/>
+                </a:tc>
+                <a:tc>
+                  <a:txBody>
+                    <a:bodyPr/>
+                    <a:lstStyle/>
+                    <a:p>
+                      <a:r>
+                        <a:rPr lang="en-US" dirty="0" smtClean="0"/>
+                        <a:t>Mean</a:t>
+                      </a:r>
+                      <a:endParaRPr lang="en-US" dirty="0"/>
+                    </a:p>
+                  </a:txBody>
+                  <a:tcPr/>
+                </a:tc>
+                <a:tc>
+                  <a:txBody>
+                    <a:bodyPr/>
+                    <a:lstStyle/>
+                    <a:p>
+                      <a:r>
+                        <a:rPr lang="en-US" dirty="0" smtClean="0"/>
+                        <a:t>STD</a:t>
+                      </a:r>
+                      <a:endParaRPr lang="en-US" dirty="0"/>
+                    </a:p>
+                  </a:txBody>
+                  <a:tcPr/>
+                </a:tc>
+              </a:tr>
+              <a:tr h="370840">
+                <a:tc>
+                  <a:txBody>
+                    <a:bodyPr/>
+                    <a:lstStyle/>
+                    <a:p>
+                      <a:r>
+                        <a:rPr lang="en-US" dirty="0" smtClean="0"/>
+                        <a:t>407</a:t>
+                      </a:r>
+                      <a:endParaRPr lang="en-US" dirty="0"/>
+                    </a:p>
+                  </a:txBody>
+                  <a:tcPr/>
+                </a:tc>
+                <a:tc>
+                  <a:txBody>
+                    <a:bodyPr/>
+                    <a:lstStyle/>
+                    <a:p>
+                      <a:r>
+                        <a:rPr lang="en-US" dirty="0" smtClean="0"/>
+                        <a:t> 203.5</a:t>
+                      </a:r>
+                      <a:endParaRPr lang="en-US" dirty="0"/>
+                    </a:p>
+                  </a:txBody>
+                  <a:tcPr/>
+                </a:tc>
+                <a:tc>
+                  <a:txBody>
+                    <a:bodyPr/>
+                    <a:lstStyle/>
+                    <a:p>
+                      <a:r>
+                        <a:rPr lang="en-US" dirty="0" smtClean="0"/>
+                        <a:t>34.6482</a:t>
+                      </a:r>
+                      <a:endParaRPr lang="en-US" dirty="0"/>
+                    </a:p>
+                  </a:txBody>
+                  <a:tcPr/>
+                </a:tc>
+              </a:tr>
+            </a:tbl>
+          </a:graphicData>
+        </a:graphic>
+      </p:graphicFrame>
+      <p:sp>
+        <p:nvSpPr>
+          <p:cNvPr id="13" name="Content Placeholder 12"/>
+          <p:cNvSpPr>
+            <a:spLocks noGrp="1"/>
+          </p:cNvSpPr>
+          <p:nvPr>
+            <p:ph sz="quarter" idx="4"/>
+          </p:nvPr>
+        </p:nvSpPr>
+        <p:spPr/>
+        <p:txBody>
+          <a:bodyPr/>
+          <a:lstStyle/>
+          <a:p>
+            <a:endParaRPr lang="en-US"/>
+          </a:p>
+        </p:txBody>
+      </p:sp>
+      <p:graphicFrame>
+        <p:nvGraphicFramePr>
+          <p:cNvPr id="14" name="Content Placeholder 6"/>
+          <p:cNvGraphicFramePr>
+            <a:graphicFrameLocks/>
+          </p:cNvGraphicFramePr>
+          <p:nvPr/>
+        </p:nvGraphicFramePr>
+        <p:xfrm>
+          <a:off x="1436306" y="4537869"/>
+          <a:ext cx="4645026" cy="1112520"/>
+        </p:xfrm>
+        <a:graphic>
+          <a:graphicData uri="http://schemas.openxmlformats.org/drawingml/2006/table">
+            <a:tbl>
+              <a:tblPr firstRow="1" bandRow="1">
+                <a:tableStyleId>{5C22544A-7EE6-4342-B048-85BDC9FD1C3A}</a:tableStyleId>
+              </a:tblPr>
+              <a:tblGrid>
+                <a:gridCol w="1548342"/>
+                <a:gridCol w="1548342"/>
+                <a:gridCol w="1548342"/>
+              </a:tblGrid>
+              <a:tr h="370840">
+                <a:tc gridSpan="3">
+                  <a:txBody>
+                    <a:bodyPr/>
+                    <a:lstStyle/>
+                    <a:p>
+                      <a:pPr marL="0" marR="0" indent="0" algn="ctr" defTabSz="914400" rtl="0" eaLnBrk="1" fontAlgn="auto" latinLnBrk="0" hangingPunct="1">
+                        <a:lnSpc>
+                          <a:spcPct val="100000"/>
+                        </a:lnSpc>
+                        <a:spcBef>
+                          <a:spcPts val="0"/>
+                        </a:spcBef>
+                        <a:spcAft>
+                          <a:spcPts val="0"/>
+                        </a:spcAft>
+                        <a:buClrTx/>
+                        <a:buSzTx/>
+                        <a:buFontTx/>
+                        <a:buNone/>
+                        <a:tabLst/>
+                        <a:defRPr/>
+                      </a:pPr>
+                      <a:r>
+                        <a:rPr lang="en-US" dirty="0" smtClean="0"/>
+                        <a:t>Cluster 2</a:t>
+                      </a:r>
+                      <a:endParaRPr lang="en-US" dirty="0"/>
+                    </a:p>
+                  </a:txBody>
+                  <a:tcPr>
+                    <a:solidFill>
+                      <a:schemeClr val="bg2">
+                        <a:lumMod val="25000"/>
+                      </a:schemeClr>
+                    </a:solidFill>
+                  </a:tcPr>
+                </a:tc>
+                <a:tc hMerge="1">
+                  <a:txBody>
+                    <a:bodyPr/>
+                    <a:lstStyle/>
+                    <a:p>
+                      <a:endParaRPr lang="en-US" dirty="0"/>
+                    </a:p>
+                  </a:txBody>
+                  <a:tcPr/>
+                </a:tc>
+                <a:tc hMerge="1">
+                  <a:txBody>
+                    <a:bodyPr/>
+                    <a:lstStyle/>
+                    <a:p>
+                      <a:endParaRPr lang="en-US" dirty="0"/>
+                    </a:p>
+                  </a:txBody>
+                  <a:tcPr/>
+                </a:tc>
+              </a:tr>
+              <a:tr h="370840">
+                <a:tc>
+                  <a:txBody>
+                    <a:bodyPr/>
+                    <a:lstStyle/>
+                    <a:p>
+                      <a:r>
+                        <a:rPr lang="en-US" dirty="0" smtClean="0"/>
+                        <a:t>Sum</a:t>
+                      </a:r>
+                      <a:endParaRPr lang="en-US" dirty="0"/>
+                    </a:p>
+                  </a:txBody>
+                  <a:tcPr/>
+                </a:tc>
+                <a:tc>
+                  <a:txBody>
+                    <a:bodyPr/>
+                    <a:lstStyle/>
+                    <a:p>
+                      <a:r>
+                        <a:rPr lang="en-US" dirty="0" smtClean="0"/>
+                        <a:t>Mean</a:t>
+                      </a:r>
+                      <a:endParaRPr lang="en-US" dirty="0"/>
+                    </a:p>
+                  </a:txBody>
+                  <a:tcPr/>
+                </a:tc>
+                <a:tc>
+                  <a:txBody>
+                    <a:bodyPr/>
+                    <a:lstStyle/>
+                    <a:p>
+                      <a:r>
+                        <a:rPr lang="en-US" dirty="0" smtClean="0"/>
+                        <a:t>STD</a:t>
+                      </a:r>
+                      <a:endParaRPr lang="en-US" dirty="0"/>
+                    </a:p>
+                  </a:txBody>
+                  <a:tcPr/>
+                </a:tc>
+              </a:tr>
+              <a:tr h="370840">
+                <a:tc>
+                  <a:txBody>
+                    <a:bodyPr/>
+                    <a:lstStyle/>
+                    <a:p>
+                      <a:r>
+                        <a:rPr lang="en-US" dirty="0" smtClean="0"/>
+                        <a:t>988</a:t>
+                      </a:r>
+                      <a:endParaRPr lang="en-US" dirty="0"/>
+                    </a:p>
+                  </a:txBody>
+                  <a:tcPr/>
+                </a:tc>
+                <a:tc>
+                  <a:txBody>
+                    <a:bodyPr/>
+                    <a:lstStyle/>
+                    <a:p>
+                      <a:r>
+                        <a:rPr lang="en-US" dirty="0" smtClean="0"/>
+                        <a:t>109.7777</a:t>
+                      </a:r>
+                      <a:endParaRPr lang="en-US" dirty="0"/>
+                    </a:p>
+                  </a:txBody>
+                  <a:tcPr/>
+                </a:tc>
+                <a:tc>
+                  <a:txBody>
+                    <a:bodyPr/>
+                    <a:lstStyle/>
+                    <a:p>
+                      <a:r>
+                        <a:rPr lang="en-US" dirty="0" smtClean="0"/>
+                        <a:t>24.9187</a:t>
+                      </a:r>
+                      <a:endParaRPr lang="en-US" dirty="0"/>
+                    </a:p>
+                  </a:txBody>
+                  <a:tcPr/>
+                </a:tc>
+              </a:tr>
+            </a:tbl>
+          </a:graphicData>
+        </a:graphic>
+      </p:graphicFrame>
+      <p:graphicFrame>
+        <p:nvGraphicFramePr>
+          <p:cNvPr id="15" name="Content Placeholder 6"/>
+          <p:cNvGraphicFramePr>
+            <a:graphicFrameLocks/>
+          </p:cNvGraphicFramePr>
+          <p:nvPr/>
+        </p:nvGraphicFramePr>
+        <p:xfrm>
+          <a:off x="6379004" y="2062207"/>
+          <a:ext cx="4645026" cy="1112520"/>
+        </p:xfrm>
+        <a:graphic>
+          <a:graphicData uri="http://schemas.openxmlformats.org/drawingml/2006/table">
+            <a:tbl>
+              <a:tblPr firstRow="1" bandRow="1">
+                <a:tableStyleId>{5C22544A-7EE6-4342-B048-85BDC9FD1C3A}</a:tableStyleId>
+              </a:tblPr>
+              <a:tblGrid>
+                <a:gridCol w="1548342"/>
+                <a:gridCol w="1548342"/>
+                <a:gridCol w="1548342"/>
+              </a:tblGrid>
+              <a:tr h="370840">
+                <a:tc gridSpan="3">
+                  <a:txBody>
+                    <a:bodyPr/>
+                    <a:lstStyle/>
+                    <a:p>
+                      <a:pPr marL="0" marR="0" indent="0" algn="ctr" defTabSz="914400" rtl="0" eaLnBrk="1" fontAlgn="auto" latinLnBrk="0" hangingPunct="1">
+                        <a:lnSpc>
+                          <a:spcPct val="100000"/>
+                        </a:lnSpc>
+                        <a:spcBef>
+                          <a:spcPts val="0"/>
+                        </a:spcBef>
+                        <a:spcAft>
+                          <a:spcPts val="0"/>
+                        </a:spcAft>
+                        <a:buClrTx/>
+                        <a:buSzTx/>
+                        <a:buFontTx/>
+                        <a:buNone/>
+                        <a:tabLst/>
+                        <a:defRPr/>
+                      </a:pPr>
+                      <a:r>
+                        <a:rPr lang="en-US" dirty="0" smtClean="0"/>
+                        <a:t>Cluster 3</a:t>
+                      </a:r>
+                      <a:endParaRPr lang="en-US" dirty="0"/>
+                    </a:p>
+                  </a:txBody>
+                  <a:tcPr>
+                    <a:solidFill>
+                      <a:schemeClr val="accent5">
+                        <a:lumMod val="75000"/>
+                      </a:schemeClr>
+                    </a:solidFill>
+                  </a:tcPr>
+                </a:tc>
+                <a:tc hMerge="1">
+                  <a:txBody>
+                    <a:bodyPr/>
+                    <a:lstStyle/>
+                    <a:p>
+                      <a:endParaRPr lang="en-US" dirty="0"/>
+                    </a:p>
+                  </a:txBody>
+                  <a:tcPr/>
+                </a:tc>
+                <a:tc hMerge="1">
+                  <a:txBody>
+                    <a:bodyPr/>
+                    <a:lstStyle/>
+                    <a:p>
+                      <a:endParaRPr lang="en-US" dirty="0"/>
+                    </a:p>
+                  </a:txBody>
+                  <a:tcPr/>
+                </a:tc>
+              </a:tr>
+              <a:tr h="370840">
+                <a:tc>
+                  <a:txBody>
+                    <a:bodyPr/>
+                    <a:lstStyle/>
+                    <a:p>
+                      <a:r>
+                        <a:rPr lang="en-US" dirty="0" smtClean="0"/>
+                        <a:t>Sum</a:t>
+                      </a:r>
+                      <a:endParaRPr lang="en-US" dirty="0"/>
+                    </a:p>
+                  </a:txBody>
+                  <a:tcPr/>
+                </a:tc>
+                <a:tc>
+                  <a:txBody>
+                    <a:bodyPr/>
+                    <a:lstStyle/>
+                    <a:p>
+                      <a:r>
+                        <a:rPr lang="en-US" dirty="0" smtClean="0"/>
+                        <a:t>Mean</a:t>
+                      </a:r>
+                      <a:endParaRPr lang="en-US" dirty="0"/>
+                    </a:p>
+                  </a:txBody>
+                  <a:tcPr/>
+                </a:tc>
+                <a:tc>
+                  <a:txBody>
+                    <a:bodyPr/>
+                    <a:lstStyle/>
+                    <a:p>
+                      <a:r>
+                        <a:rPr lang="en-US" dirty="0" smtClean="0"/>
+                        <a:t>STD</a:t>
+                      </a:r>
+                      <a:endParaRPr lang="en-US" dirty="0"/>
+                    </a:p>
+                  </a:txBody>
+                  <a:tcPr/>
+                </a:tc>
+              </a:tr>
+              <a:tr h="370840">
+                <a:tc>
+                  <a:txBody>
+                    <a:bodyPr/>
+                    <a:lstStyle/>
+                    <a:p>
+                      <a:r>
+                        <a:rPr lang="en-US" dirty="0" smtClean="0"/>
+                        <a:t>1235</a:t>
+                      </a:r>
+                      <a:endParaRPr lang="en-US" dirty="0"/>
+                    </a:p>
+                  </a:txBody>
+                  <a:tcPr/>
+                </a:tc>
+                <a:tc>
+                  <a:txBody>
+                    <a:bodyPr/>
+                    <a:lstStyle/>
+                    <a:p>
+                      <a:r>
+                        <a:rPr lang="en-US" dirty="0" smtClean="0"/>
+                        <a:t>42.5862</a:t>
+                      </a:r>
+                      <a:endParaRPr lang="en-US" dirty="0"/>
+                    </a:p>
+                  </a:txBody>
+                  <a:tcPr/>
+                </a:tc>
+                <a:tc>
+                  <a:txBody>
+                    <a:bodyPr/>
+                    <a:lstStyle/>
+                    <a:p>
+                      <a:r>
+                        <a:rPr lang="en-US" dirty="0" smtClean="0"/>
+                        <a:t>11.0954</a:t>
+                      </a:r>
+                      <a:endParaRPr lang="en-US" dirty="0"/>
+                    </a:p>
+                  </a:txBody>
+                  <a:tcPr/>
+                </a:tc>
+              </a:tr>
+            </a:tbl>
+          </a:graphicData>
+        </a:graphic>
+      </p:graphicFrame>
+      <p:graphicFrame>
+        <p:nvGraphicFramePr>
+          <p:cNvPr id="16" name="Content Placeholder 6"/>
+          <p:cNvGraphicFramePr>
+            <a:graphicFrameLocks/>
+          </p:cNvGraphicFramePr>
+          <p:nvPr/>
+        </p:nvGraphicFramePr>
+        <p:xfrm>
+          <a:off x="6384762" y="3301483"/>
+          <a:ext cx="4645026" cy="1112520"/>
+        </p:xfrm>
+        <a:graphic>
+          <a:graphicData uri="http://schemas.openxmlformats.org/drawingml/2006/table">
+            <a:tbl>
+              <a:tblPr firstRow="1" bandRow="1">
+                <a:tableStyleId>{5C22544A-7EE6-4342-B048-85BDC9FD1C3A}</a:tableStyleId>
+              </a:tblPr>
+              <a:tblGrid>
+                <a:gridCol w="1548342"/>
+                <a:gridCol w="1548342"/>
+                <a:gridCol w="1548342"/>
+              </a:tblGrid>
+              <a:tr h="370840">
+                <a:tc gridSpan="3">
+                  <a:txBody>
+                    <a:bodyPr/>
+                    <a:lstStyle/>
+                    <a:p>
+                      <a:pPr marL="0" marR="0" indent="0" algn="ctr" defTabSz="914400" rtl="0" eaLnBrk="1" fontAlgn="auto" latinLnBrk="0" hangingPunct="1">
+                        <a:lnSpc>
+                          <a:spcPct val="100000"/>
+                        </a:lnSpc>
+                        <a:spcBef>
+                          <a:spcPts val="0"/>
+                        </a:spcBef>
+                        <a:spcAft>
+                          <a:spcPts val="0"/>
+                        </a:spcAft>
+                        <a:buClrTx/>
+                        <a:buSzTx/>
+                        <a:buFontTx/>
+                        <a:buNone/>
+                        <a:tabLst/>
+                        <a:defRPr/>
+                      </a:pPr>
+                      <a:r>
+                        <a:rPr lang="en-US" dirty="0" smtClean="0"/>
+                        <a:t>Cluster 4</a:t>
+                      </a:r>
+                      <a:endParaRPr lang="en-US" dirty="0"/>
+                    </a:p>
+                  </a:txBody>
+                  <a:tcPr>
+                    <a:solidFill>
+                      <a:schemeClr val="tx1">
+                        <a:lumMod val="95000"/>
+                        <a:lumOff val="5000"/>
+                      </a:schemeClr>
+                    </a:solidFill>
+                  </a:tcPr>
+                </a:tc>
+                <a:tc hMerge="1">
+                  <a:txBody>
+                    <a:bodyPr/>
+                    <a:lstStyle/>
+                    <a:p>
+                      <a:endParaRPr lang="en-US" dirty="0"/>
+                    </a:p>
+                  </a:txBody>
+                  <a:tcPr/>
+                </a:tc>
+                <a:tc hMerge="1">
+                  <a:txBody>
+                    <a:bodyPr/>
+                    <a:lstStyle/>
+                    <a:p>
+                      <a:endParaRPr lang="en-US" dirty="0"/>
+                    </a:p>
+                  </a:txBody>
+                  <a:tcPr/>
+                </a:tc>
+              </a:tr>
+              <a:tr h="370840">
+                <a:tc>
+                  <a:txBody>
+                    <a:bodyPr/>
+                    <a:lstStyle/>
+                    <a:p>
+                      <a:r>
+                        <a:rPr lang="en-US" dirty="0" smtClean="0"/>
+                        <a:t>Sum</a:t>
+                      </a:r>
+                      <a:endParaRPr lang="en-US" dirty="0"/>
+                    </a:p>
+                  </a:txBody>
+                  <a:tcPr/>
+                </a:tc>
+                <a:tc>
+                  <a:txBody>
+                    <a:bodyPr/>
+                    <a:lstStyle/>
+                    <a:p>
+                      <a:r>
+                        <a:rPr lang="en-US" dirty="0" smtClean="0"/>
+                        <a:t>Mean</a:t>
+                      </a:r>
+                      <a:endParaRPr lang="en-US" dirty="0"/>
+                    </a:p>
+                  </a:txBody>
+                  <a:tcPr/>
+                </a:tc>
+                <a:tc>
+                  <a:txBody>
+                    <a:bodyPr/>
+                    <a:lstStyle/>
+                    <a:p>
+                      <a:r>
+                        <a:rPr lang="en-US" dirty="0" smtClean="0"/>
+                        <a:t>STD</a:t>
+                      </a:r>
+                      <a:endParaRPr lang="en-US" dirty="0"/>
+                    </a:p>
+                  </a:txBody>
+                  <a:tcPr/>
+                </a:tc>
+              </a:tr>
+              <a:tr h="370840">
+                <a:tc>
+                  <a:txBody>
+                    <a:bodyPr/>
+                    <a:lstStyle/>
+                    <a:p>
+                      <a:r>
+                        <a:rPr lang="en-US" dirty="0" smtClean="0"/>
+                        <a:t>1105 </a:t>
+                      </a:r>
+                      <a:endParaRPr lang="en-US" dirty="0"/>
+                    </a:p>
+                  </a:txBody>
+                  <a:tcPr/>
+                </a:tc>
+                <a:tc>
+                  <a:txBody>
+                    <a:bodyPr/>
+                    <a:lstStyle/>
+                    <a:p>
+                      <a:r>
+                        <a:rPr lang="en-US" dirty="0" smtClean="0"/>
+                        <a:t>1.9592</a:t>
+                      </a:r>
+                      <a:endParaRPr lang="en-US" dirty="0"/>
+                    </a:p>
+                  </a:txBody>
+                  <a:tcPr/>
+                </a:tc>
+                <a:tc>
+                  <a:txBody>
+                    <a:bodyPr/>
+                    <a:lstStyle/>
+                    <a:p>
+                      <a:r>
+                        <a:rPr lang="en-US" dirty="0" smtClean="0"/>
+                        <a:t> 1.9686</a:t>
+                      </a:r>
+                      <a:endParaRPr lang="en-US" dirty="0"/>
+                    </a:p>
+                  </a:txBody>
+                  <a:tcPr/>
+                </a:tc>
+              </a:tr>
+            </a:tbl>
+          </a:graphicData>
+        </a:graphic>
+      </p:graphicFrame>
+      <p:graphicFrame>
+        <p:nvGraphicFramePr>
+          <p:cNvPr id="17" name="Content Placeholder 6"/>
+          <p:cNvGraphicFramePr>
+            <a:graphicFrameLocks/>
+          </p:cNvGraphicFramePr>
+          <p:nvPr/>
+        </p:nvGraphicFramePr>
+        <p:xfrm>
+          <a:off x="6390520" y="4540759"/>
+          <a:ext cx="4645026" cy="1112520"/>
+        </p:xfrm>
+        <a:graphic>
+          <a:graphicData uri="http://schemas.openxmlformats.org/drawingml/2006/table">
+            <a:tbl>
+              <a:tblPr firstRow="1" bandRow="1">
+                <a:tableStyleId>{5C22544A-7EE6-4342-B048-85BDC9FD1C3A}</a:tableStyleId>
+              </a:tblPr>
+              <a:tblGrid>
+                <a:gridCol w="1548342"/>
+                <a:gridCol w="1548342"/>
+                <a:gridCol w="1548342"/>
+              </a:tblGrid>
+              <a:tr h="370840">
+                <a:tc gridSpan="3">
+                  <a:txBody>
+                    <a:bodyPr/>
+                    <a:lstStyle/>
+                    <a:p>
+                      <a:pPr marL="0" marR="0" indent="0" algn="ctr" defTabSz="914400" rtl="0" eaLnBrk="1" fontAlgn="auto" latinLnBrk="0" hangingPunct="1">
+                        <a:lnSpc>
+                          <a:spcPct val="100000"/>
+                        </a:lnSpc>
+                        <a:spcBef>
+                          <a:spcPts val="0"/>
+                        </a:spcBef>
+                        <a:spcAft>
+                          <a:spcPts val="0"/>
+                        </a:spcAft>
+                        <a:buClrTx/>
+                        <a:buSzTx/>
+                        <a:buFontTx/>
+                        <a:buNone/>
+                        <a:tabLst/>
+                        <a:defRPr/>
+                      </a:pPr>
+                      <a:r>
+                        <a:rPr lang="en-US" dirty="0" smtClean="0"/>
+                        <a:t>Cluster 5</a:t>
+                      </a:r>
+                      <a:endParaRPr lang="en-US" dirty="0"/>
+                    </a:p>
+                  </a:txBody>
+                  <a:tcPr/>
+                </a:tc>
+                <a:tc hMerge="1">
+                  <a:txBody>
+                    <a:bodyPr/>
+                    <a:lstStyle/>
+                    <a:p>
+                      <a:endParaRPr lang="en-US" dirty="0"/>
+                    </a:p>
+                  </a:txBody>
+                  <a:tcPr/>
+                </a:tc>
+                <a:tc hMerge="1">
+                  <a:txBody>
+                    <a:bodyPr/>
+                    <a:lstStyle/>
+                    <a:p>
+                      <a:endParaRPr lang="en-US" dirty="0"/>
+                    </a:p>
+                  </a:txBody>
+                  <a:tcPr/>
+                </a:tc>
+              </a:tr>
+              <a:tr h="370840">
+                <a:tc>
+                  <a:txBody>
+                    <a:bodyPr/>
+                    <a:lstStyle/>
+                    <a:p>
+                      <a:r>
+                        <a:rPr lang="en-US" dirty="0" smtClean="0"/>
+                        <a:t>Sum</a:t>
+                      </a:r>
+                      <a:endParaRPr lang="en-US" dirty="0"/>
+                    </a:p>
+                  </a:txBody>
+                  <a:tcPr/>
+                </a:tc>
+                <a:tc>
+                  <a:txBody>
+                    <a:bodyPr/>
+                    <a:lstStyle/>
+                    <a:p>
+                      <a:r>
+                        <a:rPr lang="en-US" dirty="0" smtClean="0"/>
+                        <a:t>Mean</a:t>
+                      </a:r>
+                      <a:endParaRPr lang="en-US" dirty="0"/>
+                    </a:p>
+                  </a:txBody>
+                  <a:tcPr/>
+                </a:tc>
+                <a:tc>
+                  <a:txBody>
+                    <a:bodyPr/>
+                    <a:lstStyle/>
+                    <a:p>
+                      <a:r>
+                        <a:rPr lang="en-US" dirty="0" smtClean="0"/>
+                        <a:t>STD</a:t>
+                      </a:r>
+                      <a:endParaRPr lang="en-US" dirty="0"/>
+                    </a:p>
+                  </a:txBody>
+                  <a:tcPr/>
+                </a:tc>
+              </a:tr>
+              <a:tr h="370840">
+                <a:tc>
+                  <a:txBody>
+                    <a:bodyPr/>
+                    <a:lstStyle/>
+                    <a:p>
+                      <a:r>
+                        <a:rPr lang="en-US" dirty="0" smtClean="0"/>
+                        <a:t>407</a:t>
+                      </a:r>
+                      <a:endParaRPr lang="en-US" dirty="0"/>
+                    </a:p>
+                  </a:txBody>
+                  <a:tcPr/>
+                </a:tc>
+                <a:tc>
+                  <a:txBody>
+                    <a:bodyPr/>
+                    <a:lstStyle/>
+                    <a:p>
+                      <a:r>
+                        <a:rPr lang="en-US" dirty="0" smtClean="0"/>
+                        <a:t>407.0 </a:t>
+                      </a:r>
+                      <a:endParaRPr lang="en-US" dirty="0"/>
+                    </a:p>
+                  </a:txBody>
+                  <a:tcPr/>
+                </a:tc>
+                <a:tc>
+                  <a:txBody>
+                    <a:bodyPr/>
+                    <a:lstStyle/>
+                    <a:p>
+                      <a:r>
+                        <a:rPr lang="en-US" dirty="0" err="1" smtClean="0"/>
+                        <a:t>nan</a:t>
+                      </a:r>
+                      <a:endParaRPr lang="en-US" dirty="0"/>
+                    </a:p>
+                  </a:txBody>
+                  <a:tcPr/>
+                </a:tc>
+              </a:tr>
+            </a:tbl>
+          </a:graphicData>
+        </a:graphic>
+      </p:graphicFrame>
+    </p:spTree>
+  </p:cSld>
+  <p:clrMapOvr>
+    <a:masterClrMapping/>
+  </p:clrMapOvr>
+</p:sld>
+</file>
+
+<file path=ppt/slides/slide12.xml><?xml version="1.0" encoding="utf-8"?>
 <p:sld xmlns:a="http://schemas.openxmlformats.org/drawingml/2006/main" xmlns:r="http://schemas.openxmlformats.org/officeDocument/2006/relationships" xmlns:p="http://schemas.openxmlformats.org/presentationml/2006/main">
   <p:cSld>
     <p:spTree>
@@ -4140,7 +5270,7 @@
 </p:sld>
 </file>
 
-<file path=ppt/slides/slide12.xml><?xml version="1.0" encoding="utf-8"?>
+<file path=ppt/slides/slide13.xml><?xml version="1.0" encoding="utf-8"?>
 <p:sld xmlns:a="http://schemas.openxmlformats.org/drawingml/2006/main" xmlns:r="http://schemas.openxmlformats.org/officeDocument/2006/relationships" xmlns:p="http://schemas.openxmlformats.org/presentationml/2006/main">
   <p:cSld>
     <p:spTree>
@@ -4162,7 +5292,7 @@
           <p:cNvPr id="2" name="Title 1">
             <a:extLst>
               <a:ext uri="{FF2B5EF4-FFF2-40B4-BE49-F238E27FC236}">
-                <a16:creationId xmlns:a16="http://schemas.microsoft.com/office/drawing/2014/main" xmlns="" id="{7AB5C6EF-CE0B-4B64-BB8F-E95796AD251E}"/>
+                <a16:creationId xmlns="" xmlns:a16="http://schemas.microsoft.com/office/drawing/2014/main" id="{7AB5C6EF-CE0B-4B64-BB8F-E95796AD251E}"/>
               </a:ext>
             </a:extLst>
           </p:cNvPr>
@@ -4191,7 +5321,7 @@
           <p:cNvPr id="3" name="Content Placeholder 2">
             <a:extLst>
               <a:ext uri="{FF2B5EF4-FFF2-40B4-BE49-F238E27FC236}">
-                <a16:creationId xmlns:a16="http://schemas.microsoft.com/office/drawing/2014/main" xmlns="" id="{94583493-383E-4BC4-91A0-168872046CE9}"/>
+                <a16:creationId xmlns="" xmlns:a16="http://schemas.microsoft.com/office/drawing/2014/main" id="{94583493-383E-4BC4-91A0-168872046CE9}"/>
               </a:ext>
             </a:extLst>
           </p:cNvPr>
@@ -4217,21 +5347,13 @@
           <a:p>
             <a:r>
               <a:rPr lang="en-US" dirty="0" smtClean="0"/>
-              <a:t>Companies </a:t>
-            </a:r>
+              <a:t>Companies offering more jobs are among those offering more open-ended contracts.</a:t>
+            </a:r>
+          </a:p>
+          <a:p>
             <a:r>
               <a:rPr lang="en-US" dirty="0" smtClean="0"/>
-              <a:t>offering more jobs are among those offering more open-ended contracts.</a:t>
-            </a:r>
-          </a:p>
-          <a:p>
-            <a:r>
-              <a:rPr lang="en-US" smtClean="0"/>
-              <a:t>The </a:t>
-            </a:r>
-            <a:r>
-              <a:rPr lang="en-US" dirty="0" smtClean="0"/>
-              <a:t>most popular fields or </a:t>
+              <a:t>The most popular fields or </a:t>
             </a:r>
             <a:r>
               <a:rPr lang="en-US" dirty="0" err="1" smtClean="0"/>
@@ -4239,7 +5361,24 @@
             </a:r>
             <a:r>
               <a:rPr lang="en-US" dirty="0" smtClean="0"/>
-              <a:t> are dominated by Management/Management and the health professions.</a:t>
+              <a:t> are dominated by </a:t>
+            </a:r>
+            <a:r>
+              <a:rPr lang="en-US" dirty="0" smtClean="0"/>
+              <a:t>Management</a:t>
+            </a:r>
+          </a:p>
+          <a:p>
+            <a:pPr>
+              <a:buNone/>
+            </a:pPr>
+            <a:r>
+              <a:rPr lang="en-US" dirty="0" smtClean="0"/>
+              <a:t> </a:t>
+            </a:r>
+            <a:r>
+              <a:rPr lang="en-US" dirty="0" smtClean="0"/>
+              <a:t>and the health professions.</a:t>
             </a:r>
           </a:p>
           <a:p>
@@ -4259,12 +5398,342 @@
           </a:p>
         </p:txBody>
       </p:sp>
+      <p:pic>
+        <p:nvPicPr>
+          <p:cNvPr id="4" name="Picture 3" descr="job_career.jpg"/>
+          <p:cNvPicPr>
+            <a:picLocks noChangeAspect="1"/>
+          </p:cNvPicPr>
+          <p:nvPr/>
+        </p:nvPicPr>
+        <p:blipFill>
+          <a:blip r:embed="rId2"/>
+          <a:stretch>
+            <a:fillRect/>
+          </a:stretch>
+        </p:blipFill>
+        <p:spPr>
+          <a:xfrm>
+            <a:off x="6374346" y="2108002"/>
+            <a:ext cx="1527450" cy="444283"/>
+          </a:xfrm>
+          <a:prstGeom prst="rect">
+            <a:avLst/>
+          </a:prstGeom>
+        </p:spPr>
+      </p:pic>
+      <p:pic>
+        <p:nvPicPr>
+          <p:cNvPr id="5" name="Picture 4" descr="management.jpg"/>
+          <p:cNvPicPr>
+            <a:picLocks noChangeAspect="1"/>
+          </p:cNvPicPr>
+          <p:nvPr/>
+        </p:nvPicPr>
+        <p:blipFill>
+          <a:blip r:embed="rId3"/>
+          <a:srcRect t="29120" b="34151"/>
+          <a:stretch>
+            <a:fillRect/>
+          </a:stretch>
+        </p:blipFill>
+        <p:spPr>
+          <a:xfrm>
+            <a:off x="8939482" y="3061955"/>
+            <a:ext cx="1222435" cy="448995"/>
+          </a:xfrm>
+          <a:prstGeom prst="rect">
+            <a:avLst/>
+          </a:prstGeom>
+        </p:spPr>
+      </p:pic>
+      <p:pic>
+        <p:nvPicPr>
+          <p:cNvPr id="6" name="Picture 5" descr="health_professions_debout.jpg"/>
+          <p:cNvPicPr>
+            <a:picLocks noChangeAspect="1"/>
+          </p:cNvPicPr>
+          <p:nvPr/>
+        </p:nvPicPr>
+        <p:blipFill>
+          <a:blip r:embed="rId4"/>
+          <a:stretch>
+            <a:fillRect/>
+          </a:stretch>
+        </p:blipFill>
+        <p:spPr>
+          <a:xfrm>
+            <a:off x="4392284" y="3490190"/>
+            <a:ext cx="818072" cy="458120"/>
+          </a:xfrm>
+          <a:prstGeom prst="rect">
+            <a:avLst/>
+          </a:prstGeom>
+        </p:spPr>
+      </p:pic>
+      <p:pic>
+        <p:nvPicPr>
+          <p:cNvPr id="7" name="Picture 6" descr="top_growth_croissance.jpg"/>
+          <p:cNvPicPr>
+            <a:picLocks noChangeAspect="1"/>
+          </p:cNvPicPr>
+          <p:nvPr/>
+        </p:nvPicPr>
+        <p:blipFill>
+          <a:blip r:embed="rId5"/>
+          <a:stretch>
+            <a:fillRect/>
+          </a:stretch>
+        </p:blipFill>
+        <p:spPr>
+          <a:xfrm>
+            <a:off x="2656362" y="4375827"/>
+            <a:ext cx="699314" cy="401633"/>
+          </a:xfrm>
+          <a:prstGeom prst="rect">
+            <a:avLst/>
+          </a:prstGeom>
+        </p:spPr>
+      </p:pic>
     </p:spTree>
     <p:extLst>
       <p:ext uri="{BB962C8B-B14F-4D97-AF65-F5344CB8AC3E}">
-        <p14:creationId xmlns:p14="http://schemas.microsoft.com/office/powerpoint/2010/main" xmlns="" val="927689037"/>
+        <p14:creationId xmlns="" xmlns:p14="http://schemas.microsoft.com/office/powerpoint/2010/main" val="927689037"/>
       </p:ext>
     </p:extLst>
+  </p:cSld>
+  <p:clrMapOvr>
+    <a:masterClrMapping/>
+  </p:clrMapOvr>
+</p:sld>
+</file>
+
+<file path=ppt/slides/slide14.xml><?xml version="1.0" encoding="utf-8"?>
+<p:sld xmlns:a="http://schemas.openxmlformats.org/drawingml/2006/main" xmlns:r="http://schemas.openxmlformats.org/officeDocument/2006/relationships" xmlns:p="http://schemas.openxmlformats.org/presentationml/2006/main">
+  <p:cSld>
+    <p:spTree>
+      <p:nvGrpSpPr>
+        <p:cNvPr id="1" name=""/>
+        <p:cNvGrpSpPr/>
+        <p:nvPr/>
+      </p:nvGrpSpPr>
+      <p:grpSpPr>
+        <a:xfrm>
+          <a:off x="0" y="0"/>
+          <a:ext cx="0" cy="0"/>
+          <a:chOff x="0" y="0"/>
+          <a:chExt cx="0" cy="0"/>
+        </a:xfrm>
+      </p:grpSpPr>
+      <p:sp>
+        <p:nvSpPr>
+          <p:cNvPr id="2" name="Title 1"/>
+          <p:cNvSpPr>
+            <a:spLocks noGrp="1"/>
+          </p:cNvSpPr>
+          <p:nvPr>
+            <p:ph type="title"/>
+          </p:nvPr>
+        </p:nvSpPr>
+        <p:spPr/>
+        <p:txBody>
+          <a:bodyPr/>
+          <a:lstStyle/>
+          <a:p>
+            <a:endParaRPr lang="en-US" dirty="0"/>
+          </a:p>
+        </p:txBody>
+      </p:sp>
+      <p:sp>
+        <p:nvSpPr>
+          <p:cNvPr id="3" name="Content Placeholder 2"/>
+          <p:cNvSpPr>
+            <a:spLocks noGrp="1"/>
+          </p:cNvSpPr>
+          <p:nvPr>
+            <p:ph idx="1"/>
+          </p:nvPr>
+        </p:nvSpPr>
+        <p:spPr/>
+        <p:txBody>
+          <a:bodyPr/>
+          <a:lstStyle/>
+          <a:p>
+            <a:pPr algn="ctr">
+              <a:buNone/>
+            </a:pPr>
+            <a:r>
+              <a:rPr lang="en-US" sz="4800" dirty="0" smtClean="0"/>
+              <a:t>Thank You !</a:t>
+            </a:r>
+            <a:endParaRPr lang="en-US" dirty="0"/>
+          </a:p>
+        </p:txBody>
+      </p:sp>
+    </p:spTree>
+  </p:cSld>
+  <p:clrMapOvr>
+    <a:masterClrMapping/>
+  </p:clrMapOvr>
+</p:sld>
+</file>
+
+<file path=ppt/slides/slide15.xml><?xml version="1.0" encoding="utf-8"?>
+<p:sld xmlns:a="http://schemas.openxmlformats.org/drawingml/2006/main" xmlns:r="http://schemas.openxmlformats.org/officeDocument/2006/relationships" xmlns:p="http://schemas.openxmlformats.org/presentationml/2006/main">
+  <p:cSld>
+    <p:spTree>
+      <p:nvGrpSpPr>
+        <p:cNvPr id="1" name=""/>
+        <p:cNvGrpSpPr/>
+        <p:nvPr/>
+      </p:nvGrpSpPr>
+      <p:grpSpPr>
+        <a:xfrm>
+          <a:off x="0" y="0"/>
+          <a:ext cx="0" cy="0"/>
+          <a:chOff x="0" y="0"/>
+          <a:chExt cx="0" cy="0"/>
+        </a:xfrm>
+      </p:grpSpPr>
+      <p:sp>
+        <p:nvSpPr>
+          <p:cNvPr id="2" name="Title 1"/>
+          <p:cNvSpPr>
+            <a:spLocks noGrp="1"/>
+          </p:cNvSpPr>
+          <p:nvPr>
+            <p:ph type="title"/>
+          </p:nvPr>
+        </p:nvSpPr>
+        <p:spPr/>
+        <p:txBody>
+          <a:bodyPr/>
+          <a:lstStyle/>
+          <a:p>
+            <a:endParaRPr lang="en-US"/>
+          </a:p>
+        </p:txBody>
+      </p:sp>
+      <p:sp>
+        <p:nvSpPr>
+          <p:cNvPr id="3" name="Content Placeholder 2"/>
+          <p:cNvSpPr>
+            <a:spLocks noGrp="1"/>
+          </p:cNvSpPr>
+          <p:nvPr>
+            <p:ph idx="1"/>
+          </p:nvPr>
+        </p:nvSpPr>
+        <p:spPr/>
+        <p:txBody>
+          <a:bodyPr>
+            <a:normAutofit fontScale="92500"/>
+          </a:bodyPr>
+          <a:lstStyle/>
+          <a:p>
+            <a:pPr>
+              <a:buNone/>
+            </a:pPr>
+            <a:r>
+              <a:rPr lang="en-US" dirty="0" smtClean="0"/>
+              <a:t> </a:t>
+            </a:r>
+            <a:r>
+              <a:rPr lang="en-US" dirty="0" smtClean="0"/>
+              <a:t>                               </a:t>
+            </a:r>
+          </a:p>
+          <a:p>
+            <a:pPr>
+              <a:buNone/>
+            </a:pPr>
+            <a:endParaRPr lang="en-US" dirty="0" smtClean="0"/>
+          </a:p>
+          <a:p>
+            <a:pPr>
+              <a:buNone/>
+            </a:pPr>
+            <a:r>
+              <a:rPr lang="en-US" dirty="0" smtClean="0"/>
+              <a:t>			      </a:t>
+            </a:r>
+          </a:p>
+          <a:p>
+            <a:pPr>
+              <a:buNone/>
+            </a:pPr>
+            <a:r>
+              <a:rPr lang="en-US" dirty="0" smtClean="0"/>
+              <a:t>	</a:t>
+            </a:r>
+            <a:r>
+              <a:rPr lang="en-US" dirty="0" smtClean="0"/>
+              <a:t>		       Samson JULES</a:t>
+            </a:r>
+          </a:p>
+          <a:p>
+            <a:pPr>
+              <a:buNone/>
+            </a:pPr>
+            <a:r>
+              <a:rPr lang="en-US" dirty="0" smtClean="0"/>
+              <a:t>                                 Economist, Data Scientist, Public Manager</a:t>
+            </a:r>
+          </a:p>
+          <a:p>
+            <a:pPr>
+              <a:buNone/>
+            </a:pPr>
+            <a:endParaRPr lang="en-US" dirty="0" smtClean="0"/>
+          </a:p>
+          <a:p>
+            <a:pPr>
+              <a:buNone/>
+            </a:pPr>
+            <a:r>
+              <a:rPr lang="en-US" dirty="0" err="1" smtClean="0"/>
+              <a:t>Github</a:t>
+            </a:r>
+            <a:r>
+              <a:rPr lang="en-US" dirty="0" smtClean="0"/>
+              <a:t> link: </a:t>
+            </a:r>
+            <a:r>
+              <a:rPr lang="en-US" dirty="0" smtClean="0">
+                <a:hlinkClick r:id="rId2"/>
+              </a:rPr>
+              <a:t>https://github.com/samsonjules/Coursera_Capstone/blob/master/job_analysis.ipynb</a:t>
+            </a:r>
+            <a:endParaRPr lang="en-US" dirty="0"/>
+          </a:p>
+        </p:txBody>
+      </p:sp>
+      <p:pic>
+        <p:nvPicPr>
+          <p:cNvPr id="4" name="Picture 3" descr="Samson_profil.jpg"/>
+          <p:cNvPicPr>
+            <a:picLocks noChangeAspect="1"/>
+          </p:cNvPicPr>
+          <p:nvPr/>
+        </p:nvPicPr>
+        <p:blipFill>
+          <a:blip r:embed="rId3"/>
+          <a:srcRect l="11891"/>
+          <a:stretch>
+            <a:fillRect/>
+          </a:stretch>
+        </p:blipFill>
+        <p:spPr>
+          <a:xfrm>
+            <a:off x="1570010" y="2117786"/>
+            <a:ext cx="2130725" cy="2418272"/>
+          </a:xfrm>
+          <a:prstGeom prst="rect">
+            <a:avLst/>
+          </a:prstGeom>
+        </p:spPr>
+      </p:pic>
+    </p:spTree>
   </p:cSld>
   <p:clrMapOvr>
     <a:masterClrMapping/>
@@ -4294,7 +5763,7 @@
           <p:cNvPr id="2" name="Title 1">
             <a:extLst>
               <a:ext uri="{FF2B5EF4-FFF2-40B4-BE49-F238E27FC236}">
-                <a16:creationId xmlns:a16="http://schemas.microsoft.com/office/drawing/2014/main" xmlns="" id="{783FB18D-D72E-4EB0-B7A7-E37B6C68C25B}"/>
+                <a16:creationId xmlns="" xmlns:a16="http://schemas.microsoft.com/office/drawing/2014/main" id="{783FB18D-D72E-4EB0-B7A7-E37B6C68C25B}"/>
               </a:ext>
             </a:extLst>
           </p:cNvPr>
@@ -4329,7 +5798,7 @@
           <p:cNvPr id="3" name="Content Placeholder 2">
             <a:extLst>
               <a:ext uri="{FF2B5EF4-FFF2-40B4-BE49-F238E27FC236}">
-                <a16:creationId xmlns:a16="http://schemas.microsoft.com/office/drawing/2014/main" xmlns="" id="{1796CA99-8485-477B-869A-5A807AD6728D}"/>
+                <a16:creationId xmlns="" xmlns:a16="http://schemas.microsoft.com/office/drawing/2014/main" id="{1796CA99-8485-477B-869A-5A807AD6728D}"/>
               </a:ext>
             </a:extLst>
           </p:cNvPr>
@@ -4343,33 +5812,62 @@
         <p:spPr/>
         <p:txBody>
           <a:bodyPr>
-            <a:normAutofit fontScale="85000" lnSpcReduction="20000"/>
+            <a:normAutofit fontScale="85000" lnSpcReduction="10000"/>
           </a:bodyPr>
           <a:lstStyle/>
           <a:p>
             <a:r>
               <a:rPr lang="en-US" dirty="0" smtClean="0"/>
-              <a:t>Job seekers. This analysis will help them to understand the reality of the job offer, i.e. what areas are being recruited most and who is recruiting in this sector;</a:t>
-            </a:r>
-          </a:p>
-          <a:p>
+              <a:t>Job seekers</a:t>
+            </a:r>
             <a:r>
               <a:rPr lang="en-US" dirty="0" smtClean="0"/>
-              <a:t>Investors </a:t>
+              <a:t>.                       This </a:t>
             </a:r>
             <a:r>
               <a:rPr lang="en-US" dirty="0" smtClean="0"/>
-              <a:t>who want to invest in one sector or another. With this work, they will be able to decide whether to invest in the sector where most or least recruitment is taking place;</a:t>
-            </a:r>
-          </a:p>
-          <a:p>
+              <a:t>analysis will help them to understand the reality of the job </a:t>
+            </a:r>
             <a:r>
               <a:rPr lang="en-US" dirty="0" smtClean="0"/>
-              <a:t>Students </a:t>
-            </a:r>
+              <a:t>offer</a:t>
+            </a:r>
+            <a:endParaRPr lang="en-US" dirty="0" smtClean="0"/>
+          </a:p>
+          <a:p>
             <a:r>
               <a:rPr lang="en-US" dirty="0" smtClean="0"/>
-              <a:t>or future students who are or will be preparing to face the job market.  They will be able to further refine their knowledge or training. They will thus be better prepared with a good background to face the job market.</a:t>
+              <a:t>Investors who want to invest in one sector or another. </a:t>
+            </a:r>
+            <a:r>
+              <a:rPr lang="en-US" dirty="0" smtClean="0"/>
+              <a:t>                    With </a:t>
+            </a:r>
+            <a:r>
+              <a:rPr lang="en-US" dirty="0" smtClean="0"/>
+              <a:t>this work, they will be able to decide whether to invest in the sector where most or least recruitment is taking place;</a:t>
+            </a:r>
+          </a:p>
+          <a:p>
+            <a:r>
+              <a:rPr lang="en-US" dirty="0" smtClean="0"/>
+              <a:t>Students or future students </a:t>
+            </a:r>
+            <a:r>
+              <a:rPr lang="en-US" dirty="0" smtClean="0"/>
+              <a:t>              who </a:t>
+            </a:r>
+            <a:r>
+              <a:rPr lang="en-US" dirty="0" smtClean="0"/>
+              <a:t>are or will be preparing to face the job market. </a:t>
+            </a:r>
+            <a:r>
+              <a:rPr lang="en-US" dirty="0" smtClean="0"/>
+              <a:t> </a:t>
+            </a:r>
+            <a:r>
+              <a:rPr lang="en-US" dirty="0" smtClean="0"/>
+              <a:t>They will be able to further refine their knowledge or training. They will thus be better prepared with a good background to face the job market.</a:t>
             </a:r>
           </a:p>
           <a:p>
@@ -4379,26 +5877,154 @@
             </a:r>
             <a:r>
               <a:rPr lang="en-US" dirty="0" smtClean="0"/>
-              <a:t>wishing to change careers will have important information and analysis at their disposal to help them decide on their choice.</a:t>
-            </a:r>
-          </a:p>
-          <a:p>
+              <a:t>                wishing </a:t>
+            </a:r>
             <a:r>
               <a:rPr lang="en-US" dirty="0" smtClean="0"/>
-              <a:t>The </a:t>
-            </a:r>
+              <a:t>to change careers will have important information and analysis at their disposal to help them decide on their choice.</a:t>
+            </a:r>
+          </a:p>
+          <a:p>
             <a:r>
               <a:rPr lang="en-US" dirty="0" smtClean="0"/>
-              <a:t>public decision-makers who will have studies at their disposal for any adaptation of their employment policy to the reality of the market.</a:t>
+              <a:t>The public decision-makers </a:t>
+            </a:r>
+            <a:r>
+              <a:rPr lang="en-US" dirty="0" smtClean="0"/>
+              <a:t>                who </a:t>
+            </a:r>
+            <a:r>
+              <a:rPr lang="en-US" dirty="0" smtClean="0"/>
+              <a:t>will have studies at their disposal for any adaptation of their employment policy to the reality of the market.</a:t>
             </a:r>
             <a:endParaRPr lang="fr-FR" dirty="0"/>
           </a:p>
         </p:txBody>
       </p:sp>
+      <p:pic>
+        <p:nvPicPr>
+          <p:cNvPr id="4" name="Picture 3" descr="job_seekers.jpg"/>
+          <p:cNvPicPr>
+            <a:picLocks noChangeAspect="1"/>
+          </p:cNvPicPr>
+          <p:nvPr/>
+        </p:nvPicPr>
+        <p:blipFill>
+          <a:blip r:embed="rId2"/>
+          <a:stretch>
+            <a:fillRect/>
+          </a:stretch>
+        </p:blipFill>
+        <p:spPr>
+          <a:xfrm>
+            <a:off x="2834354" y="1954384"/>
+            <a:ext cx="987149" cy="472247"/>
+          </a:xfrm>
+          <a:prstGeom prst="rect">
+            <a:avLst/>
+          </a:prstGeom>
+        </p:spPr>
+      </p:pic>
+      <p:pic>
+        <p:nvPicPr>
+          <p:cNvPr id="5" name="Picture 4" descr="investors.jpg"/>
+          <p:cNvPicPr>
+            <a:picLocks noChangeAspect="1"/>
+          </p:cNvPicPr>
+          <p:nvPr/>
+        </p:nvPicPr>
+        <p:blipFill>
+          <a:blip r:embed="rId3" cstate="print"/>
+          <a:stretch>
+            <a:fillRect/>
+          </a:stretch>
+        </p:blipFill>
+        <p:spPr>
+          <a:xfrm>
+            <a:off x="6602012" y="2424022"/>
+            <a:ext cx="821871" cy="405441"/>
+          </a:xfrm>
+          <a:prstGeom prst="rect">
+            <a:avLst/>
+          </a:prstGeom>
+        </p:spPr>
+      </p:pic>
+      <p:pic>
+        <p:nvPicPr>
+          <p:cNvPr id="6" name="Picture 5" descr="students.jpg"/>
+          <p:cNvPicPr>
+            <a:picLocks noChangeAspect="1"/>
+          </p:cNvPicPr>
+          <p:nvPr/>
+        </p:nvPicPr>
+        <p:blipFill>
+          <a:blip r:embed="rId4"/>
+          <a:stretch>
+            <a:fillRect/>
+          </a:stretch>
+        </p:blipFill>
+        <p:spPr>
+          <a:xfrm>
+            <a:off x="4202861" y="3053751"/>
+            <a:ext cx="743115" cy="494509"/>
+          </a:xfrm>
+          <a:prstGeom prst="rect">
+            <a:avLst/>
+          </a:prstGeom>
+        </p:spPr>
+      </p:pic>
+      <p:pic>
+        <p:nvPicPr>
+          <p:cNvPr id="7" name="Picture 6" descr="professionals.jpg"/>
+          <p:cNvPicPr>
+            <a:picLocks noChangeAspect="1"/>
+          </p:cNvPicPr>
+          <p:nvPr/>
+        </p:nvPicPr>
+        <p:blipFill>
+          <a:blip r:embed="rId5"/>
+          <a:stretch>
+            <a:fillRect/>
+          </a:stretch>
+        </p:blipFill>
+        <p:spPr>
+          <a:xfrm>
+            <a:off x="2942255" y="4040148"/>
+            <a:ext cx="844741" cy="462841"/>
+          </a:xfrm>
+          <a:prstGeom prst="rect">
+            <a:avLst/>
+          </a:prstGeom>
+        </p:spPr>
+      </p:pic>
+      <p:pic>
+        <p:nvPicPr>
+          <p:cNvPr id="8" name="Picture 7" descr="institutions.jpg"/>
+          <p:cNvPicPr>
+            <a:picLocks noChangeAspect="1"/>
+          </p:cNvPicPr>
+          <p:nvPr/>
+        </p:nvPicPr>
+        <p:blipFill>
+          <a:blip r:embed="rId6" cstate="print"/>
+          <a:stretch>
+            <a:fillRect/>
+          </a:stretch>
+        </p:blipFill>
+        <p:spPr>
+          <a:xfrm>
+            <a:off x="4223350" y="4779894"/>
+            <a:ext cx="693708" cy="416225"/>
+          </a:xfrm>
+          <a:prstGeom prst="rect">
+            <a:avLst/>
+          </a:prstGeom>
+        </p:spPr>
+      </p:pic>
     </p:spTree>
     <p:extLst>
       <p:ext uri="{BB962C8B-B14F-4D97-AF65-F5344CB8AC3E}">
-        <p14:creationId xmlns:p14="http://schemas.microsoft.com/office/powerpoint/2010/main" xmlns="" val="1593791864"/>
+        <p14:creationId xmlns="" xmlns:p14="http://schemas.microsoft.com/office/powerpoint/2010/main" val="1593791864"/>
       </p:ext>
     </p:extLst>
   </p:cSld>
@@ -4430,7 +6056,7 @@
           <p:cNvPr id="2" name="Title 1">
             <a:extLst>
               <a:ext uri="{FF2B5EF4-FFF2-40B4-BE49-F238E27FC236}">
-                <a16:creationId xmlns:a16="http://schemas.microsoft.com/office/drawing/2014/main" xmlns="" id="{489B07C7-73E5-4202-95BF-30E30E2B09CB}"/>
+                <a16:creationId xmlns="" xmlns:a16="http://schemas.microsoft.com/office/drawing/2014/main" id="{489B07C7-73E5-4202-95BF-30E30E2B09CB}"/>
               </a:ext>
             </a:extLst>
           </p:cNvPr>
@@ -4459,7 +6085,7 @@
           <p:cNvPr id="3" name="Content Placeholder 2">
             <a:extLst>
               <a:ext uri="{FF2B5EF4-FFF2-40B4-BE49-F238E27FC236}">
-                <a16:creationId xmlns:a16="http://schemas.microsoft.com/office/drawing/2014/main" xmlns="" id="{0B673FD8-0150-430F-A78C-4D4E9872B6C1}"/>
+                <a16:creationId xmlns="" xmlns:a16="http://schemas.microsoft.com/office/drawing/2014/main" id="{0B673FD8-0150-430F-A78C-4D4E9872B6C1}"/>
               </a:ext>
             </a:extLst>
           </p:cNvPr>
@@ -4569,20 +6195,40 @@
           <a:p>
             <a:r>
               <a:rPr lang="en-US" dirty="0" smtClean="0"/>
-              <a:t>After all we obtain </a:t>
-            </a:r>
-            <a:r>
-              <a:rPr lang="en-US" dirty="0" smtClean="0"/>
-              <a:t>9491 rows or job posted (and cleaned).</a:t>
+              <a:t>After all we obtain 9491 rows or job posted (and cleaned).</a:t>
             </a:r>
             <a:endParaRPr lang="fr-FR" dirty="0"/>
           </a:p>
         </p:txBody>
       </p:sp>
+      <p:pic>
+        <p:nvPicPr>
+          <p:cNvPr id="4" name="Picture 3" descr="data_acquisition.png"/>
+          <p:cNvPicPr>
+            <a:picLocks noChangeAspect="1"/>
+          </p:cNvPicPr>
+          <p:nvPr/>
+        </p:nvPicPr>
+        <p:blipFill>
+          <a:blip r:embed="rId3"/>
+          <a:stretch>
+            <a:fillRect/>
+          </a:stretch>
+        </p:blipFill>
+        <p:spPr>
+          <a:xfrm>
+            <a:off x="8465030" y="406880"/>
+            <a:ext cx="1343204" cy="1343204"/>
+          </a:xfrm>
+          <a:prstGeom prst="rect">
+            <a:avLst/>
+          </a:prstGeom>
+        </p:spPr>
+      </p:pic>
     </p:spTree>
     <p:extLst>
       <p:ext uri="{BB962C8B-B14F-4D97-AF65-F5344CB8AC3E}">
-        <p14:creationId xmlns:p14="http://schemas.microsoft.com/office/powerpoint/2010/main" xmlns="" val="1336363003"/>
+        <p14:creationId xmlns="" xmlns:p14="http://schemas.microsoft.com/office/powerpoint/2010/main" val="1336363003"/>
       </p:ext>
     </p:extLst>
   </p:cSld>
@@ -4802,11 +6448,7 @@
             </a:pPr>
             <a:r>
               <a:rPr lang="en-US" sz="1400" dirty="0" smtClean="0"/>
-              <a:t>Catholic </a:t>
-            </a:r>
-            <a:r>
-              <a:rPr lang="en-US" sz="1400" dirty="0" smtClean="0"/>
-              <a:t>Relief Services, Plan International, Care Haiti are among the 15 companies offering more jobs via </a:t>
+              <a:t>Catholic Relief Services, Plan International, Care Haiti are among the 15 companies offering more jobs via </a:t>
             </a:r>
             <a:r>
               <a:rPr lang="en-US" sz="1400" dirty="0" err="1" smtClean="0"/>
@@ -4930,11 +6572,7 @@
             </a:pPr>
             <a:r>
               <a:rPr lang="en-US" sz="3000" dirty="0" smtClean="0"/>
-              <a:t>Catholic </a:t>
-            </a:r>
-            <a:r>
-              <a:rPr lang="en-US" sz="3000" dirty="0" smtClean="0"/>
-              <a:t>Relief Services, Plan International, Care Haiti are among the 15 companies offering more jobs via </a:t>
+              <a:t>Catholic Relief Services, Plan International, Care Haiti are among the 15 companies offering more jobs via </a:t>
             </a:r>
             <a:r>
               <a:rPr lang="en-US" sz="3000" dirty="0" err="1" smtClean="0"/>
@@ -5044,7 +6682,7 @@
           <p:cNvPr id="2" name="Title 1">
             <a:extLst>
               <a:ext uri="{FF2B5EF4-FFF2-40B4-BE49-F238E27FC236}">
-                <a16:creationId xmlns:a16="http://schemas.microsoft.com/office/drawing/2014/main" xmlns="" id="{E70E2375-0C39-4FDF-BAD3-EBD649C168CA}"/>
+                <a16:creationId xmlns="" xmlns:a16="http://schemas.microsoft.com/office/drawing/2014/main" id="{E70E2375-0C39-4FDF-BAD3-EBD649C168CA}"/>
               </a:ext>
             </a:extLst>
           </p:cNvPr>
@@ -5085,7 +6723,7 @@
           <p:cNvPr id="4" name="Content Placeholder 3">
             <a:extLst>
               <a:ext uri="{FF2B5EF4-FFF2-40B4-BE49-F238E27FC236}">
-                <a16:creationId xmlns:a16="http://schemas.microsoft.com/office/drawing/2014/main" xmlns="" id="{3582555E-F667-4821-A620-F8F450E01F6F}"/>
+                <a16:creationId xmlns="" xmlns:a16="http://schemas.microsoft.com/office/drawing/2014/main" id="{3582555E-F667-4821-A620-F8F450E01F6F}"/>
               </a:ext>
             </a:extLst>
           </p:cNvPr>
@@ -5150,11 +6788,7 @@
             </a:r>
             <a:r>
               <a:rPr lang="en-US" dirty="0" smtClean="0"/>
-              <a:t> are </a:t>
-            </a:r>
-            <a:r>
-              <a:rPr lang="en-US" dirty="0" smtClean="0"/>
-              <a:t>in the top 10.</a:t>
+              <a:t> are in the top 10.</a:t>
             </a:r>
             <a:endParaRPr lang="fr-FR" dirty="0"/>
           </a:p>
@@ -5206,7 +6840,7 @@
     </p:spTree>
     <p:extLst>
       <p:ext uri="{BB962C8B-B14F-4D97-AF65-F5344CB8AC3E}">
-        <p14:creationId xmlns:p14="http://schemas.microsoft.com/office/powerpoint/2010/main" xmlns="" val="2610230461"/>
+        <p14:creationId xmlns="" xmlns:p14="http://schemas.microsoft.com/office/powerpoint/2010/main" val="2610230461"/>
       </p:ext>
     </p:extLst>
   </p:cSld>
@@ -5245,7 +6879,7 @@
           <p:cNvPr id="2" name="Title 1">
             <a:extLst>
               <a:ext uri="{FF2B5EF4-FFF2-40B4-BE49-F238E27FC236}">
-                <a16:creationId xmlns:a16="http://schemas.microsoft.com/office/drawing/2014/main" xmlns="" id="{9E33A95E-DD6D-49BC-830D-7DB8E95303D4}"/>
+                <a16:creationId xmlns="" xmlns:a16="http://schemas.microsoft.com/office/drawing/2014/main" id="{9E33A95E-DD6D-49BC-830D-7DB8E95303D4}"/>
               </a:ext>
             </a:extLst>
           </p:cNvPr>
@@ -5276,7 +6910,7 @@
           <p:cNvPr id="4" name="Content Placeholder 3">
             <a:extLst>
               <a:ext uri="{FF2B5EF4-FFF2-40B4-BE49-F238E27FC236}">
-                <a16:creationId xmlns:a16="http://schemas.microsoft.com/office/drawing/2014/main" xmlns="" id="{2E508963-3263-42ED-9D86-E9113E14A7B4}"/>
+                <a16:creationId xmlns="" xmlns:a16="http://schemas.microsoft.com/office/drawing/2014/main" id="{2E508963-3263-42ED-9D86-E9113E14A7B4}"/>
               </a:ext>
             </a:extLst>
           </p:cNvPr>
@@ -5359,7 +6993,7 @@
     </p:spTree>
     <p:extLst>
       <p:ext uri="{BB962C8B-B14F-4D97-AF65-F5344CB8AC3E}">
-        <p14:creationId xmlns:p14="http://schemas.microsoft.com/office/powerpoint/2010/main" xmlns="" val="2106463040"/>
+        <p14:creationId xmlns="" xmlns:p14="http://schemas.microsoft.com/office/powerpoint/2010/main" val="2106463040"/>
       </p:ext>
     </p:extLst>
   </p:cSld>
@@ -5398,7 +7032,7 @@
           <p:cNvPr id="2" name="Title 1">
             <a:extLst>
               <a:ext uri="{FF2B5EF4-FFF2-40B4-BE49-F238E27FC236}">
-                <a16:creationId xmlns:a16="http://schemas.microsoft.com/office/drawing/2014/main" xmlns="" id="{CA97E386-414B-4B83-9351-0EB0CC1923E2}"/>
+                <a16:creationId xmlns="" xmlns:a16="http://schemas.microsoft.com/office/drawing/2014/main" id="{CA97E386-414B-4B83-9351-0EB0CC1923E2}"/>
               </a:ext>
             </a:extLst>
           </p:cNvPr>
@@ -5471,7 +7105,7 @@
     </p:spTree>
     <p:extLst>
       <p:ext uri="{BB962C8B-B14F-4D97-AF65-F5344CB8AC3E}">
-        <p14:creationId xmlns:p14="http://schemas.microsoft.com/office/powerpoint/2010/main" xmlns="" val="2824527592"/>
+        <p14:creationId xmlns="" xmlns:p14="http://schemas.microsoft.com/office/powerpoint/2010/main" val="2824527592"/>
       </p:ext>
     </p:extLst>
   </p:cSld>
@@ -5766,11 +7400,7 @@
             </a:r>
             <a:r>
               <a:rPr lang="en-US" dirty="0" smtClean="0"/>
-              <a:t> </a:t>
-            </a:r>
-            <a:r>
-              <a:rPr lang="en-US" dirty="0" smtClean="0"/>
-              <a:t>have a figure almost equal to or exceeding that of the previous year.</a:t>
+              <a:t> have a figure almost equal to or exceeding that of the previous year.</a:t>
             </a:r>
             <a:endParaRPr lang="en-US" dirty="0"/>
           </a:p>
@@ -6054,7 +7684,7 @@
   <a:extraClrSchemeLst/>
   <a:extLst>
     <a:ext uri="{05A4C25C-085E-4340-85A3-A5531E510DB2}">
-      <thm15:themeFamily xmlns:thm15="http://schemas.microsoft.com/office/thememl/2012/main" xmlns="" name="Gallery" id="{BBFCD31E-59A1-489D-B089-A3EAD7CAE12E}" vid="{F5E91637-A7B6-4E27-B710-77DA7014EE1E}"/>
+      <thm15:themeFamily xmlns="" xmlns:thm15="http://schemas.microsoft.com/office/thememl/2012/main" name="Gallery" id="{BBFCD31E-59A1-489D-B089-A3EAD7CAE12E}" vid="{F5E91637-A7B6-4E27-B710-77DA7014EE1E}"/>
     </a:ext>
   </a:extLst>
 </a:theme>
